--- a/docs/day2-lab4-kubernetes-kubespray.pptx
+++ b/docs/day2-lab4-kubernetes-kubespray.pptx
@@ -5,46 +5,47 @@
     <p:sldMasterId id="2147483676" r:id="rId1"/>
   </p:sldMasterIdLst>
   <p:notesMasterIdLst>
-    <p:notesMasterId r:id="rId5"/>
+    <p:notesMasterId r:id="rId6"/>
   </p:notesMasterIdLst>
   <p:handoutMasterIdLst>
-    <p:handoutMasterId r:id="rId6"/>
+    <p:handoutMasterId r:id="rId7"/>
   </p:handoutMasterIdLst>
   <p:sldIdLst>
     <p:sldId id="362" r:id="rId2"/>
     <p:sldId id="376" r:id="rId3"/>
     <p:sldId id="377" r:id="rId4"/>
+    <p:sldId id="378" r:id="rId5"/>
   </p:sldIdLst>
   <p:sldSz cx="9144000" cy="5143500" type="screen16x9"/>
   <p:notesSz cx="6858000" cy="9144000"/>
   <p:embeddedFontLst>
     <p:embeddedFont>
-      <p:font typeface="Malgun Gothic" panose="020B0503020000020004" pitchFamily="34" charset="-127"/>
-      <p:regular r:id="rId7"/>
-      <p:bold r:id="rId8"/>
-    </p:embeddedFont>
-    <p:embeddedFont>
       <p:font typeface="Bigshot One" panose="02000503020000020004" pitchFamily="2" charset="0"/>
-      <p:regular r:id="rId9"/>
+      <p:regular r:id="rId8"/>
     </p:embeddedFont>
     <p:embeddedFont>
       <p:font typeface="Calibri" panose="020F0502020204030204" pitchFamily="34" charset="0"/>
-      <p:regular r:id="rId10"/>
-      <p:bold r:id="rId11"/>
-      <p:italic r:id="rId12"/>
-      <p:boldItalic r:id="rId13"/>
+      <p:regular r:id="rId9"/>
+      <p:bold r:id="rId10"/>
+      <p:italic r:id="rId11"/>
+      <p:boldItalic r:id="rId12"/>
     </p:embeddedFont>
     <p:embeddedFont>
       <p:font typeface="Georgia" panose="02040502050405020303" pitchFamily="18" charset="0"/>
-      <p:regular r:id="rId14"/>
-      <p:bold r:id="rId15"/>
-      <p:italic r:id="rId16"/>
-      <p:boldItalic r:id="rId17"/>
+      <p:regular r:id="rId13"/>
+      <p:bold r:id="rId14"/>
+      <p:italic r:id="rId15"/>
+      <p:boldItalic r:id="rId16"/>
+    </p:embeddedFont>
+    <p:embeddedFont>
+      <p:font typeface="Malgun Gothic" panose="020B0503020000020004" pitchFamily="34" charset="-127"/>
+      <p:regular r:id="rId17"/>
+      <p:bold r:id="rId18"/>
     </p:embeddedFont>
     <p:embeddedFont>
       <p:font typeface="Roboto Condensed Light" panose="020F0302020204030204" pitchFamily="34" charset="0"/>
-      <p:regular r:id="rId18"/>
-      <p:italic r:id="rId19"/>
+      <p:regular r:id="rId19"/>
+      <p:italic r:id="rId20"/>
     </p:embeddedFont>
   </p:embeddedFontLst>
   <p:defaultTextStyle>
@@ -381,7 +382,7 @@
           <a:p>
             <a:fld id="{932DE75C-D76B-447C-8317-58F045462BDF}" type="datetimeFigureOut">
               <a:rPr lang="ko-KR" altLang="en-US" smtClean="0"/>
-              <a:t>2022. 1. 19.</a:t>
+              <a:t>2022. 1. 20.</a:t>
             </a:fld>
             <a:endParaRPr lang="ko-KR" altLang="en-US"/>
           </a:p>
@@ -1244,6 +1245,115 @@
 </p:notes>
 </file>
 
+<file path=ppt/notesSlides/notesSlide4.xml><?xml version="1.0" encoding="utf-8"?>
+<p:notes xmlns:a="http://schemas.openxmlformats.org/drawingml/2006/main" xmlns:r="http://schemas.openxmlformats.org/officeDocument/2006/relationships" xmlns:p="http://schemas.openxmlformats.org/presentationml/2006/main" showMasterSp="0" showMasterPhAnim="0">
+  <p:cSld>
+    <p:spTree>
+      <p:nvGrpSpPr>
+        <p:cNvPr id="1" name="Shape 475"/>
+        <p:cNvGrpSpPr/>
+        <p:nvPr/>
+      </p:nvGrpSpPr>
+      <p:grpSpPr>
+        <a:xfrm>
+          <a:off x="0" y="0"/>
+          <a:ext cx="0" cy="0"/>
+          <a:chOff x="0" y="0"/>
+          <a:chExt cx="0" cy="0"/>
+        </a:xfrm>
+      </p:grpSpPr>
+      <p:sp>
+        <p:nvSpPr>
+          <p:cNvPr id="476" name="Google Shape;476;gf08aea85b7_0_20253:notes"/>
+          <p:cNvSpPr>
+            <a:spLocks noGrp="1" noRot="1" noChangeAspect="1"/>
+          </p:cNvSpPr>
+          <p:nvPr>
+            <p:ph type="sldImg" idx="2"/>
+          </p:nvPr>
+        </p:nvSpPr>
+        <p:spPr>
+          <a:xfrm>
+            <a:off x="381000" y="685800"/>
+            <a:ext cx="6096000" cy="3429000"/>
+          </a:xfrm>
+          <a:custGeom>
+            <a:avLst/>
+            <a:gdLst/>
+            <a:ahLst/>
+            <a:cxnLst/>
+            <a:rect l="l" t="t" r="r" b="b"/>
+            <a:pathLst>
+              <a:path w="120000" h="120000" extrusionOk="0">
+                <a:moveTo>
+                  <a:pt x="0" y="0"/>
+                </a:moveTo>
+                <a:lnTo>
+                  <a:pt x="120000" y="0"/>
+                </a:lnTo>
+                <a:lnTo>
+                  <a:pt x="120000" y="120000"/>
+                </a:lnTo>
+                <a:lnTo>
+                  <a:pt x="0" y="120000"/>
+                </a:lnTo>
+                <a:close/>
+              </a:path>
+            </a:pathLst>
+          </a:custGeom>
+        </p:spPr>
+      </p:sp>
+      <p:sp>
+        <p:nvSpPr>
+          <p:cNvPr id="477" name="Google Shape;477;gf08aea85b7_0_20253:notes"/>
+          <p:cNvSpPr txBox="1">
+            <a:spLocks noGrp="1"/>
+          </p:cNvSpPr>
+          <p:nvPr>
+            <p:ph type="body" idx="1"/>
+          </p:nvPr>
+        </p:nvSpPr>
+        <p:spPr>
+          <a:xfrm>
+            <a:off x="685800" y="4343400"/>
+            <a:ext cx="5486400" cy="4114800"/>
+          </a:xfrm>
+          <a:prstGeom prst="rect">
+            <a:avLst/>
+          </a:prstGeom>
+        </p:spPr>
+        <p:txBody>
+          <a:bodyPr spcFirstLastPara="1" wrap="square" lIns="91425" tIns="91425" rIns="91425" bIns="91425" anchor="t" anchorCtr="0">
+            <a:noAutofit/>
+          </a:bodyPr>
+          <a:lstStyle/>
+          <a:p>
+            <a:pPr marL="0" lvl="0" indent="0" algn="l" rtl="0">
+              <a:spcBef>
+                <a:spcPts val="0"/>
+              </a:spcBef>
+              <a:spcAft>
+                <a:spcPts val="0"/>
+              </a:spcAft>
+              <a:buNone/>
+            </a:pPr>
+            <a:endParaRPr/>
+          </a:p>
+        </p:txBody>
+      </p:sp>
+    </p:spTree>
+    <p:extLst>
+      <p:ext uri="{BB962C8B-B14F-4D97-AF65-F5344CB8AC3E}">
+        <p14:creationId xmlns:p14="http://schemas.microsoft.com/office/powerpoint/2010/main" val="3766588797"/>
+      </p:ext>
+    </p:extLst>
+  </p:cSld>
+  <p:clrMapOvr>
+    <a:masterClrMapping/>
+  </p:clrMapOvr>
+</p:notes>
+</file>
+
 <file path=ppt/slideLayouts/slideLayout1.xml><?xml version="1.0" encoding="utf-8"?>
 <p:sldLayout xmlns:a="http://schemas.openxmlformats.org/drawingml/2006/main" xmlns:r="http://schemas.openxmlformats.org/officeDocument/2006/relationships" xmlns:p="http://schemas.openxmlformats.org/presentationml/2006/main" matchingName="Title and body" type="tx">
   <p:cSld name="TITLE_AND_BODY">
@@ -4166,6 +4276,297 @@
     <p:extLst>
       <p:ext uri="{BB962C8B-B14F-4D97-AF65-F5344CB8AC3E}">
         <p14:creationId xmlns:p14="http://schemas.microsoft.com/office/powerpoint/2010/main" val="1032155959"/>
+      </p:ext>
+    </p:extLst>
+  </p:cSld>
+  <p:clrMapOvr>
+    <a:masterClrMapping/>
+  </p:clrMapOvr>
+</p:sld>
+</file>
+
+<file path=ppt/slides/slide4.xml><?xml version="1.0" encoding="utf-8"?>
+<p:sld xmlns:a="http://schemas.openxmlformats.org/drawingml/2006/main" xmlns:r="http://schemas.openxmlformats.org/officeDocument/2006/relationships" xmlns:p="http://schemas.openxmlformats.org/presentationml/2006/main">
+  <p:cSld>
+    <p:spTree>
+      <p:nvGrpSpPr>
+        <p:cNvPr id="1" name="Shape 478"/>
+        <p:cNvGrpSpPr/>
+        <p:nvPr/>
+      </p:nvGrpSpPr>
+      <p:grpSpPr>
+        <a:xfrm>
+          <a:off x="0" y="0"/>
+          <a:ext cx="0" cy="0"/>
+          <a:chOff x="0" y="0"/>
+          <a:chExt cx="0" cy="0"/>
+        </a:xfrm>
+      </p:grpSpPr>
+      <p:sp>
+        <p:nvSpPr>
+          <p:cNvPr id="4" name="AutoShape 4">
+            <a:extLst>
+              <a:ext uri="{FF2B5EF4-FFF2-40B4-BE49-F238E27FC236}">
+                <a16:creationId xmlns:a16="http://schemas.microsoft.com/office/drawing/2014/main" id="{138F2F1F-8CDD-4502-8C02-0AE3932644F7}"/>
+              </a:ext>
+            </a:extLst>
+          </p:cNvPr>
+          <p:cNvSpPr>
+            <a:spLocks noGrp="1" noChangeAspect="1" noChangeArrowheads="1"/>
+          </p:cNvSpPr>
+          <p:nvPr>
+            <p:ph type="body" idx="1"/>
+          </p:nvPr>
+        </p:nvSpPr>
+        <p:spPr bwMode="auto">
+          <a:xfrm>
+            <a:off x="242888" y="1030288"/>
+            <a:ext cx="8709025" cy="3636962"/>
+          </a:xfrm>
+          <a:prstGeom prst="rect">
+            <a:avLst/>
+          </a:prstGeom>
+          <a:noFill/>
+          <a:extLst>
+            <a:ext uri="{909E8E84-426E-40DD-AFC4-6F175D3DCCD1}">
+              <a14:hiddenFill xmlns:a14="http://schemas.microsoft.com/office/drawing/2010/main">
+                <a:solidFill>
+                  <a:srgbClr val="FFFFFF"/>
+                </a:solidFill>
+              </a14:hiddenFill>
+            </a:ext>
+          </a:extLst>
+        </p:spPr>
+        <p:txBody>
+          <a:bodyPr vert="horz" wrap="square" lIns="91440" tIns="45720" rIns="91440" bIns="45720" numCol="1" anchor="t" anchorCtr="0" compatLnSpc="1">
+            <a:prstTxWarp prst="textNoShape">
+              <a:avLst/>
+            </a:prstTxWarp>
+          </a:bodyPr>
+          <a:lstStyle/>
+          <a:p>
+            <a:pPr marL="152400" indent="0">
+              <a:buNone/>
+            </a:pPr>
+            <a:r>
+              <a:rPr lang="en" altLang="ko-KR" dirty="0">
+                <a:solidFill>
+                  <a:srgbClr val="0070C0"/>
+                </a:solidFill>
+                <a:hlinkClick r:id="rId3">
+                  <a:extLst>
+                    <a:ext uri="{A12FA001-AC4F-418D-AE19-62706E023703}">
+                      <ahyp:hlinkClr xmlns:ahyp="http://schemas.microsoft.com/office/drawing/2018/hyperlinkcolor" val="tx"/>
+                    </a:ext>
+                  </a:extLst>
+                </a:hlinkClick>
+              </a:rPr>
+              <a:t>https://</a:t>
+            </a:r>
+            <a:r>
+              <a:rPr lang="en" altLang="ko-KR" dirty="0" err="1">
+                <a:solidFill>
+                  <a:srgbClr val="0070C0"/>
+                </a:solidFill>
+                <a:hlinkClick r:id="rId3">
+                  <a:extLst>
+                    <a:ext uri="{A12FA001-AC4F-418D-AE19-62706E023703}">
+                      <ahyp:hlinkClr xmlns:ahyp="http://schemas.microsoft.com/office/drawing/2018/hyperlinkcolor" val="tx"/>
+                    </a:ext>
+                  </a:extLst>
+                </a:hlinkClick>
+              </a:rPr>
+              <a:t>kubernetes.io</a:t>
+            </a:r>
+            <a:r>
+              <a:rPr lang="en" altLang="ko-KR" dirty="0">
+                <a:solidFill>
+                  <a:srgbClr val="0070C0"/>
+                </a:solidFill>
+                <a:hlinkClick r:id="rId3">
+                  <a:extLst>
+                    <a:ext uri="{A12FA001-AC4F-418D-AE19-62706E023703}">
+                      <ahyp:hlinkClr xmlns:ahyp="http://schemas.microsoft.com/office/drawing/2018/hyperlinkcolor" val="tx"/>
+                    </a:ext>
+                  </a:extLst>
+                </a:hlinkClick>
+              </a:rPr>
+              <a:t>/ko/docs/tasks/administer-cluster/</a:t>
+            </a:r>
+            <a:r>
+              <a:rPr lang="en" altLang="ko-KR" dirty="0" err="1">
+                <a:solidFill>
+                  <a:srgbClr val="0070C0"/>
+                </a:solidFill>
+                <a:hlinkClick r:id="rId3">
+                  <a:extLst>
+                    <a:ext uri="{A12FA001-AC4F-418D-AE19-62706E023703}">
+                      <ahyp:hlinkClr xmlns:ahyp="http://schemas.microsoft.com/office/drawing/2018/hyperlinkcolor" val="tx"/>
+                    </a:ext>
+                  </a:extLst>
+                </a:hlinkClick>
+              </a:rPr>
+              <a:t>kubeadm</a:t>
+            </a:r>
+            <a:r>
+              <a:rPr lang="en" altLang="ko-KR" dirty="0">
+                <a:solidFill>
+                  <a:srgbClr val="0070C0"/>
+                </a:solidFill>
+                <a:hlinkClick r:id="rId3">
+                  <a:extLst>
+                    <a:ext uri="{A12FA001-AC4F-418D-AE19-62706E023703}">
+                      <ahyp:hlinkClr xmlns:ahyp="http://schemas.microsoft.com/office/drawing/2018/hyperlinkcolor" val="tx"/>
+                    </a:ext>
+                  </a:extLst>
+                </a:hlinkClick>
+              </a:rPr>
+              <a:t>/</a:t>
+            </a:r>
+            <a:r>
+              <a:rPr lang="en" altLang="ko-KR" dirty="0" err="1">
+                <a:solidFill>
+                  <a:srgbClr val="0070C0"/>
+                </a:solidFill>
+                <a:hlinkClick r:id="rId3">
+                  <a:extLst>
+                    <a:ext uri="{A12FA001-AC4F-418D-AE19-62706E023703}">
+                      <ahyp:hlinkClr xmlns:ahyp="http://schemas.microsoft.com/office/drawing/2018/hyperlinkcolor" val="tx"/>
+                    </a:ext>
+                  </a:extLst>
+                </a:hlinkClick>
+              </a:rPr>
+              <a:t>kubeadm</a:t>
+            </a:r>
+            <a:r>
+              <a:rPr lang="en" altLang="ko-KR" dirty="0">
+                <a:solidFill>
+                  <a:srgbClr val="0070C0"/>
+                </a:solidFill>
+                <a:hlinkClick r:id="rId3">
+                  <a:extLst>
+                    <a:ext uri="{A12FA001-AC4F-418D-AE19-62706E023703}">
+                      <ahyp:hlinkClr xmlns:ahyp="http://schemas.microsoft.com/office/drawing/2018/hyperlinkcolor" val="tx"/>
+                    </a:ext>
+                  </a:extLst>
+                </a:hlinkClick>
+              </a:rPr>
+              <a:t>-upgrade/</a:t>
+            </a:r>
+            <a:endParaRPr lang="ko-KR" altLang="en-US" dirty="0">
+              <a:solidFill>
+                <a:srgbClr val="0070C0"/>
+              </a:solidFill>
+            </a:endParaRPr>
+          </a:p>
+        </p:txBody>
+      </p:sp>
+      <p:sp>
+        <p:nvSpPr>
+          <p:cNvPr id="43" name="Google Shape;315;p33">
+            <a:extLst>
+              <a:ext uri="{FF2B5EF4-FFF2-40B4-BE49-F238E27FC236}">
+                <a16:creationId xmlns:a16="http://schemas.microsoft.com/office/drawing/2014/main" id="{027269E2-9E11-6E4B-84B6-9BE5FD1AA787}"/>
+              </a:ext>
+            </a:extLst>
+          </p:cNvPr>
+          <p:cNvSpPr txBox="1"/>
+          <p:nvPr/>
+        </p:nvSpPr>
+        <p:spPr>
+          <a:xfrm>
+            <a:off x="5806486" y="105563"/>
+            <a:ext cx="2678400" cy="289800"/>
+          </a:xfrm>
+          <a:prstGeom prst="rect">
+            <a:avLst/>
+          </a:prstGeom>
+          <a:noFill/>
+          <a:ln>
+            <a:noFill/>
+          </a:ln>
+        </p:spPr>
+        <p:txBody>
+          <a:bodyPr spcFirstLastPara="1" wrap="square" lIns="91425" tIns="91425" rIns="91425" bIns="91425" anchor="ctr" anchorCtr="0">
+            <a:noAutofit/>
+          </a:bodyPr>
+          <a:lstStyle/>
+          <a:p>
+            <a:pPr lvl="0" algn="r"/>
+            <a:r>
+              <a:rPr lang="en-US" altLang="ko-Kore-KR" sz="1100" b="1" dirty="0" err="1">
+                <a:solidFill>
+                  <a:srgbClr val="0070C0"/>
+                </a:solidFill>
+                <a:latin typeface="Malgun Gothic" panose="020B0503020000020004" pitchFamily="34" charset="-127"/>
+                <a:ea typeface="Malgun Gothic" panose="020B0503020000020004" pitchFamily="34" charset="-127"/>
+                <a:cs typeface="Nunito"/>
+                <a:sym typeface="Nunito"/>
+              </a:rPr>
+              <a:t>kubespray</a:t>
+            </a:r>
+            <a:endParaRPr sz="1100" b="1" dirty="0">
+              <a:solidFill>
+                <a:srgbClr val="0070C0"/>
+              </a:solidFill>
+              <a:latin typeface="Malgun Gothic" panose="020B0503020000020004" pitchFamily="34" charset="-127"/>
+              <a:ea typeface="Malgun Gothic" panose="020B0503020000020004" pitchFamily="34" charset="-127"/>
+              <a:cs typeface="Nunito"/>
+              <a:sym typeface="Nunito"/>
+            </a:endParaRPr>
+          </a:p>
+        </p:txBody>
+      </p:sp>
+      <p:sp>
+        <p:nvSpPr>
+          <p:cNvPr id="481" name="Google Shape;481;p40"/>
+          <p:cNvSpPr txBox="1">
+            <a:spLocks noGrp="1"/>
+          </p:cNvSpPr>
+          <p:nvPr>
+            <p:ph type="title"/>
+          </p:nvPr>
+        </p:nvSpPr>
+        <p:spPr>
+          <a:xfrm>
+            <a:off x="209643" y="539400"/>
+            <a:ext cx="8742556" cy="289800"/>
+          </a:xfrm>
+          <a:prstGeom prst="rect">
+            <a:avLst/>
+          </a:prstGeom>
+        </p:spPr>
+        <p:txBody>
+          <a:bodyPr spcFirstLastPara="1" wrap="square" lIns="91425" tIns="91425" rIns="91425" bIns="91425" anchor="ctr" anchorCtr="0">
+            <a:noAutofit/>
+          </a:bodyPr>
+          <a:lstStyle/>
+          <a:p>
+            <a:pPr lvl="1"/>
+            <a:r>
+              <a:rPr lang="ko-KR" altLang="en-US" sz="2000" b="1" dirty="0">
+                <a:solidFill>
+                  <a:srgbClr val="0070C0"/>
+                </a:solidFill>
+                <a:latin typeface="+mn-lt"/>
+                <a:ea typeface="+mn-ea"/>
+              </a:rPr>
+              <a:t>업그레이드</a:t>
+            </a:r>
+            <a:endParaRPr sz="2000" b="1" dirty="0">
+              <a:solidFill>
+                <a:srgbClr val="0070C0"/>
+              </a:solidFill>
+              <a:latin typeface="+mn-lt"/>
+              <a:ea typeface="+mn-ea"/>
+            </a:endParaRPr>
+          </a:p>
+        </p:txBody>
+      </p:sp>
+    </p:spTree>
+    <p:extLst>
+      <p:ext uri="{BB962C8B-B14F-4D97-AF65-F5344CB8AC3E}">
+        <p14:creationId xmlns:p14="http://schemas.microsoft.com/office/powerpoint/2010/main" val="2961698378"/>
       </p:ext>
     </p:extLst>
   </p:cSld>

--- a/docs/day2-lab4-kubernetes-kubespray.pptx
+++ b/docs/day2-lab4-kubernetes-kubespray.pptx
@@ -382,7 +382,7 @@
           <a:p>
             <a:fld id="{932DE75C-D76B-447C-8317-58F045462BDF}" type="datetimeFigureOut">
               <a:rPr lang="ko-KR" altLang="en-US" smtClean="0"/>
-              <a:t>2022. 1. 20.</a:t>
+              <a:t>2022. 1. 24.</a:t>
             </a:fld>
             <a:endParaRPr lang="ko-KR" altLang="en-US"/>
           </a:p>
@@ -4163,9 +4163,26 @@
             <a:endParaRPr lang="en-US" altLang="ko-KR" sz="1100" dirty="0"/>
           </a:p>
           <a:p>
-            <a:pPr marL="152400" indent="0">
-              <a:buNone/>
-            </a:pPr>
+            <a:r>
+              <a:rPr lang="en-US" altLang="ko-KR" dirty="0" err="1"/>
+              <a:t>etcd</a:t>
+            </a:r>
+            <a:r>
+              <a:rPr lang="en-US" altLang="ko-KR" dirty="0"/>
+              <a:t> * 3</a:t>
+            </a:r>
+          </a:p>
+          <a:p>
+            <a:r>
+              <a:rPr lang="en-US" altLang="ko-KR" dirty="0"/>
+              <a:t>master * 2</a:t>
+            </a:r>
+          </a:p>
+          <a:p>
+            <a:r>
+              <a:rPr lang="en-US" altLang="ko-KR" dirty="0"/>
+              <a:t>Node * 2</a:t>
+            </a:r>
             <a:endParaRPr lang="ko-KR" altLang="en-US" dirty="0"/>
           </a:p>
         </p:txBody>
@@ -4361,14 +4378,86 @@
                   </a:extLst>
                 </a:hlinkClick>
               </a:rPr>
-              <a:t>https://</a:t>
-            </a:r>
-            <a:r>
-              <a:rPr lang="en" altLang="ko-KR" dirty="0" err="1">
+              <a:t>https://kubernetes.io/ko/docs/tasks/administer-cluster/kubeadm/kubeadm-upgrade/</a:t>
+            </a:r>
+            <a:endParaRPr lang="en" altLang="ko-KR" dirty="0">
+              <a:solidFill>
+                <a:srgbClr val="0070C0"/>
+              </a:solidFill>
+            </a:endParaRPr>
+          </a:p>
+          <a:p>
+            <a:pPr marL="152400" indent="0">
+              <a:buNone/>
+            </a:pPr>
+            <a:endParaRPr lang="en" altLang="ko-KR" dirty="0">
+              <a:solidFill>
+                <a:srgbClr val="0070C0"/>
+              </a:solidFill>
+            </a:endParaRPr>
+          </a:p>
+          <a:p>
+            <a:r>
+              <a:rPr lang="en-US" altLang="ko-KR" dirty="0" err="1">
                 <a:solidFill>
                   <a:srgbClr val="0070C0"/>
                 </a:solidFill>
-                <a:hlinkClick r:id="rId3">
+              </a:rPr>
+              <a:t>Kubespray</a:t>
+            </a:r>
+            <a:r>
+              <a:rPr lang="en-US" altLang="ko-KR" dirty="0">
+                <a:solidFill>
+                  <a:srgbClr val="0070C0"/>
+                </a:solidFill>
+              </a:rPr>
+              <a:t> release </a:t>
+            </a:r>
+            <a:r>
+              <a:rPr lang="ko-KR" altLang="en-US" dirty="0" err="1">
+                <a:solidFill>
+                  <a:srgbClr val="0070C0"/>
+                </a:solidFill>
+              </a:rPr>
+              <a:t>브랜치</a:t>
+            </a:r>
+            <a:r>
+              <a:rPr lang="ko-KR" altLang="en-US" dirty="0">
+                <a:solidFill>
+                  <a:srgbClr val="0070C0"/>
+                </a:solidFill>
+              </a:rPr>
+              <a:t> 확인</a:t>
+            </a:r>
+            <a:endParaRPr lang="en-US" altLang="ko-KR" dirty="0">
+              <a:solidFill>
+                <a:srgbClr val="0070C0"/>
+              </a:solidFill>
+            </a:endParaRPr>
+          </a:p>
+          <a:p>
+            <a:r>
+              <a:rPr lang="en-US" altLang="ko-KR" dirty="0" err="1">
+                <a:solidFill>
+                  <a:srgbClr val="0070C0"/>
+                </a:solidFill>
+              </a:rPr>
+              <a:t>Kubespray</a:t>
+            </a:r>
+            <a:r>
+              <a:rPr lang="en-US" altLang="ko-KR" dirty="0">
+                <a:solidFill>
+                  <a:srgbClr val="0070C0"/>
+                </a:solidFill>
+              </a:rPr>
+              <a:t> upgrade(</a:t>
+            </a:r>
+            <a:r>
+              <a:rPr lang="en-US" altLang="ko-KR" dirty="0">
+                <a:solidFill>
+                  <a:srgbClr val="0070C0"/>
+                </a:solidFill>
+                <a:hlinkClick r:id="rId4">
                   <a:extLst>
                     <a:ext uri="{A12FA001-AC4F-418D-AE19-62706E023703}">
                       <ahyp:hlinkClr xmlns:ahyp="http://schemas.microsoft.com/office/drawing/2018/hyperlinkcolor" val="tx"/>
@@ -4376,14 +4465,14 @@
                   </a:extLst>
                 </a:hlinkClick>
               </a:rPr>
-              <a:t>kubernetes.io</a:t>
-            </a:r>
-            <a:r>
-              <a:rPr lang="en" altLang="ko-KR" dirty="0">
+              <a:t>https://</a:t>
+            </a:r>
+            <a:r>
+              <a:rPr lang="en-US" altLang="ko-KR" dirty="0" err="1">
                 <a:solidFill>
                   <a:srgbClr val="0070C0"/>
                 </a:solidFill>
-                <a:hlinkClick r:id="rId3">
+                <a:hlinkClick r:id="rId4">
                   <a:extLst>
                     <a:ext uri="{A12FA001-AC4F-418D-AE19-62706E023703}">
                       <ahyp:hlinkClr xmlns:ahyp="http://schemas.microsoft.com/office/drawing/2018/hyperlinkcolor" val="tx"/>
@@ -4391,29 +4480,14 @@
                   </a:extLst>
                 </a:hlinkClick>
               </a:rPr>
-              <a:t>/ko/docs/tasks/administer-cluster/</a:t>
-            </a:r>
-            <a:r>
-              <a:rPr lang="en" altLang="ko-KR" dirty="0" err="1">
+              <a:t>github.com</a:t>
+            </a:r>
+            <a:r>
+              <a:rPr lang="en-US" altLang="ko-KR" dirty="0">
                 <a:solidFill>
                   <a:srgbClr val="0070C0"/>
                 </a:solidFill>
-                <a:hlinkClick r:id="rId3">
-                  <a:extLst>
-                    <a:ext uri="{A12FA001-AC4F-418D-AE19-62706E023703}">
-                      <ahyp:hlinkClr xmlns:ahyp="http://schemas.microsoft.com/office/drawing/2018/hyperlinkcolor" val="tx"/>
-                    </a:ext>
-                  </a:extLst>
-                </a:hlinkClick>
-              </a:rPr>
-              <a:t>kubeadm</a:t>
-            </a:r>
-            <a:r>
-              <a:rPr lang="en" altLang="ko-KR" dirty="0">
-                <a:solidFill>
-                  <a:srgbClr val="0070C0"/>
-                </a:solidFill>
-                <a:hlinkClick r:id="rId3">
+                <a:hlinkClick r:id="rId4">
                   <a:extLst>
                     <a:ext uri="{A12FA001-AC4F-418D-AE19-62706E023703}">
                       <ahyp:hlinkClr xmlns:ahyp="http://schemas.microsoft.com/office/drawing/2018/hyperlinkcolor" val="tx"/>
@@ -4424,11 +4498,11 @@
               <a:t>/</a:t>
             </a:r>
             <a:r>
-              <a:rPr lang="en" altLang="ko-KR" dirty="0" err="1">
+              <a:rPr lang="en-US" altLang="ko-KR" dirty="0" err="1">
                 <a:solidFill>
                   <a:srgbClr val="0070C0"/>
                 </a:solidFill>
-                <a:hlinkClick r:id="rId3">
+                <a:hlinkClick r:id="rId4">
                   <a:extLst>
                     <a:ext uri="{A12FA001-AC4F-418D-AE19-62706E023703}">
                       <ahyp:hlinkClr xmlns:ahyp="http://schemas.microsoft.com/office/drawing/2018/hyperlinkcolor" val="tx"/>
@@ -4436,14 +4510,14 @@
                   </a:extLst>
                 </a:hlinkClick>
               </a:rPr>
-              <a:t>kubeadm</a:t>
-            </a:r>
-            <a:r>
-              <a:rPr lang="en" altLang="ko-KR" dirty="0">
+              <a:t>kubernetes</a:t>
+            </a:r>
+            <a:r>
+              <a:rPr lang="en-US" altLang="ko-KR" dirty="0">
                 <a:solidFill>
                   <a:srgbClr val="0070C0"/>
                 </a:solidFill>
-                <a:hlinkClick r:id="rId3">
+                <a:hlinkClick r:id="rId4">
                   <a:extLst>
                     <a:ext uri="{A12FA001-AC4F-418D-AE19-62706E023703}">
                       <ahyp:hlinkClr xmlns:ahyp="http://schemas.microsoft.com/office/drawing/2018/hyperlinkcolor" val="tx"/>
@@ -4451,9 +4525,185 @@
                   </a:extLst>
                 </a:hlinkClick>
               </a:rPr>
-              <a:t>-upgrade/</a:t>
-            </a:r>
-            <a:endParaRPr lang="ko-KR" altLang="en-US" dirty="0">
+              <a:t>-sigs/</a:t>
+            </a:r>
+            <a:r>
+              <a:rPr lang="en-US" altLang="ko-KR" dirty="0" err="1">
+                <a:solidFill>
+                  <a:srgbClr val="0070C0"/>
+                </a:solidFill>
+                <a:hlinkClick r:id="rId4">
+                  <a:extLst>
+                    <a:ext uri="{A12FA001-AC4F-418D-AE19-62706E023703}">
+                      <ahyp:hlinkClr xmlns:ahyp="http://schemas.microsoft.com/office/drawing/2018/hyperlinkcolor" val="tx"/>
+                    </a:ext>
+                  </a:extLst>
+                </a:hlinkClick>
+              </a:rPr>
+              <a:t>kubespray</a:t>
+            </a:r>
+            <a:r>
+              <a:rPr lang="en-US" altLang="ko-KR" dirty="0">
+                <a:solidFill>
+                  <a:srgbClr val="0070C0"/>
+                </a:solidFill>
+                <a:hlinkClick r:id="rId4">
+                  <a:extLst>
+                    <a:ext uri="{A12FA001-AC4F-418D-AE19-62706E023703}">
+                      <ahyp:hlinkClr xmlns:ahyp="http://schemas.microsoft.com/office/drawing/2018/hyperlinkcolor" val="tx"/>
+                    </a:ext>
+                  </a:extLst>
+                </a:hlinkClick>
+              </a:rPr>
+              <a:t>/blob/master/docs/</a:t>
+            </a:r>
+            <a:r>
+              <a:rPr lang="en-US" altLang="ko-KR" dirty="0" err="1">
+                <a:solidFill>
+                  <a:srgbClr val="0070C0"/>
+                </a:solidFill>
+                <a:hlinkClick r:id="rId4">
+                  <a:extLst>
+                    <a:ext uri="{A12FA001-AC4F-418D-AE19-62706E023703}">
+                      <ahyp:hlinkClr xmlns:ahyp="http://schemas.microsoft.com/office/drawing/2018/hyperlinkcolor" val="tx"/>
+                    </a:ext>
+                  </a:extLst>
+                </a:hlinkClick>
+              </a:rPr>
+              <a:t>upgrades.md</a:t>
+            </a:r>
+            <a:r>
+              <a:rPr lang="en-US" altLang="ko-KR" dirty="0">
+                <a:solidFill>
+                  <a:srgbClr val="0070C0"/>
+                </a:solidFill>
+              </a:rPr>
+              <a:t>)</a:t>
+            </a:r>
+          </a:p>
+          <a:p>
+            <a:endParaRPr lang="en-US" altLang="ko-KR" dirty="0">
+              <a:solidFill>
+                <a:srgbClr val="0070C0"/>
+              </a:solidFill>
+            </a:endParaRPr>
+          </a:p>
+          <a:p>
+            <a:pPr marL="152400" indent="0">
+              <a:buNone/>
+            </a:pPr>
+            <a:r>
+              <a:rPr lang="ko-KR" altLang="en-US" dirty="0">
+                <a:solidFill>
+                  <a:srgbClr val="0070C0"/>
+                </a:solidFill>
+              </a:rPr>
+              <a:t>업그레이드 전략 고민</a:t>
+            </a:r>
+            <a:endParaRPr lang="en-US" altLang="ko-KR" dirty="0">
+              <a:solidFill>
+                <a:srgbClr val="0070C0"/>
+              </a:solidFill>
+            </a:endParaRPr>
+          </a:p>
+          <a:p>
+            <a:pPr marL="152400" indent="0">
+              <a:buNone/>
+            </a:pPr>
+            <a:endParaRPr lang="en-US" altLang="ko-KR" dirty="0">
+              <a:solidFill>
+                <a:srgbClr val="0070C0"/>
+              </a:solidFill>
+            </a:endParaRPr>
+          </a:p>
+          <a:p>
+            <a:r>
+              <a:rPr lang="ko-KR" altLang="en-US" dirty="0">
+                <a:solidFill>
+                  <a:srgbClr val="0070C0"/>
+                </a:solidFill>
+              </a:rPr>
+              <a:t>보안이 중요한 환경이라면 </a:t>
+            </a:r>
+            <a:r>
+              <a:rPr lang="en-US" altLang="ko-KR" dirty="0" err="1">
+                <a:solidFill>
+                  <a:srgbClr val="0070C0"/>
+                </a:solidFill>
+              </a:rPr>
+              <a:t>kubeadm</a:t>
+            </a:r>
+            <a:r>
+              <a:rPr lang="en-US" altLang="ko-KR" dirty="0">
+                <a:solidFill>
+                  <a:srgbClr val="0070C0"/>
+                </a:solidFill>
+              </a:rPr>
+              <a:t> </a:t>
+            </a:r>
+            <a:r>
+              <a:rPr lang="ko-KR" altLang="en-US" dirty="0" err="1">
+                <a:solidFill>
+                  <a:srgbClr val="0070C0"/>
+                </a:solidFill>
+              </a:rPr>
+              <a:t>으로</a:t>
+            </a:r>
+            <a:endParaRPr lang="en-US" altLang="ko-KR" dirty="0">
+              <a:solidFill>
+                <a:srgbClr val="0070C0"/>
+              </a:solidFill>
+            </a:endParaRPr>
+          </a:p>
+          <a:p>
+            <a:r>
+              <a:rPr lang="ko-KR" altLang="en-US" dirty="0">
+                <a:solidFill>
+                  <a:srgbClr val="0070C0"/>
+                </a:solidFill>
+              </a:rPr>
+              <a:t>메이저 버전 업그레이드가 목표라면 </a:t>
+            </a:r>
+            <a:r>
+              <a:rPr lang="en-US" altLang="ko-KR" dirty="0" err="1">
+                <a:solidFill>
+                  <a:srgbClr val="0070C0"/>
+                </a:solidFill>
+              </a:rPr>
+              <a:t>kubespray</a:t>
+            </a:r>
+            <a:endParaRPr lang="en-US" altLang="ko-KR" dirty="0">
+              <a:solidFill>
+                <a:srgbClr val="0070C0"/>
+              </a:solidFill>
+            </a:endParaRPr>
+          </a:p>
+          <a:p>
+            <a:r>
+              <a:rPr lang="ko-KR" altLang="en-US" dirty="0">
+                <a:solidFill>
+                  <a:srgbClr val="0070C0"/>
+                </a:solidFill>
+              </a:rPr>
+              <a:t>대규모 클러스터 환경이라면 </a:t>
+            </a:r>
+            <a:r>
+              <a:rPr lang="en-US" altLang="ko-KR" dirty="0">
+                <a:solidFill>
+                  <a:srgbClr val="0070C0"/>
+                </a:solidFill>
+              </a:rPr>
+              <a:t>in-house </a:t>
+            </a:r>
+            <a:r>
+              <a:rPr lang="ko-KR" altLang="en-US">
+                <a:solidFill>
+                  <a:srgbClr val="0070C0"/>
+                </a:solidFill>
+              </a:rPr>
+              <a:t>배포 도구 개발</a:t>
+            </a:r>
+            <a:endParaRPr lang="en-US" altLang="ko-KR" dirty="0">
               <a:solidFill>
                 <a:srgbClr val="0070C0"/>
               </a:solidFill>
